--- a/Fall_2017/work/edumore/Final Project PPT.pptx
+++ b/Fall_2017/work/edumore/Final Project PPT.pptx
@@ -107,6 +107,11 @@
       </a:defRPr>
     </a:lvl9pPr>
   </p:defaultTextStyle>
+  <p:extLst>
+    <p:ext uri="{EFAFB233-063F-42B5-8137-9DF3F51BA10A}">
+      <p15:sldGuideLst xmlns:p15="http://schemas.microsoft.com/office/powerpoint/2012/main"/>
+    </p:ext>
+  </p:extLst>
 </p:presentation>
 </file>
 
@@ -241,7 +246,7 @@
           <a:p>
             <a:fld id="{268FC112-7AC0-434D-8726-6A36A966E321}" type="datetimeFigureOut">
               <a:rPr lang="en-US" smtClean="0"/>
-              <a:t>10/30/17</a:t>
+              <a:t>10/31/17</a:t>
             </a:fld>
             <a:endParaRPr lang="en-US"/>
           </a:p>
@@ -411,7 +416,7 @@
           <a:p>
             <a:fld id="{268FC112-7AC0-434D-8726-6A36A966E321}" type="datetimeFigureOut">
               <a:rPr lang="en-US" smtClean="0"/>
-              <a:t>10/30/17</a:t>
+              <a:t>10/31/17</a:t>
             </a:fld>
             <a:endParaRPr lang="en-US"/>
           </a:p>
@@ -591,7 +596,7 @@
           <a:p>
             <a:fld id="{268FC112-7AC0-434D-8726-6A36A966E321}" type="datetimeFigureOut">
               <a:rPr lang="en-US" smtClean="0"/>
-              <a:t>10/30/17</a:t>
+              <a:t>10/31/17</a:t>
             </a:fld>
             <a:endParaRPr lang="en-US"/>
           </a:p>
@@ -761,7 +766,7 @@
           <a:p>
             <a:fld id="{268FC112-7AC0-434D-8726-6A36A966E321}" type="datetimeFigureOut">
               <a:rPr lang="en-US" smtClean="0"/>
-              <a:t>10/30/17</a:t>
+              <a:t>10/31/17</a:t>
             </a:fld>
             <a:endParaRPr lang="en-US"/>
           </a:p>
@@ -1007,7 +1012,7 @@
           <a:p>
             <a:fld id="{268FC112-7AC0-434D-8726-6A36A966E321}" type="datetimeFigureOut">
               <a:rPr lang="en-US" smtClean="0"/>
-              <a:t>10/30/17</a:t>
+              <a:t>10/31/17</a:t>
             </a:fld>
             <a:endParaRPr lang="en-US"/>
           </a:p>
@@ -1239,7 +1244,7 @@
           <a:p>
             <a:fld id="{268FC112-7AC0-434D-8726-6A36A966E321}" type="datetimeFigureOut">
               <a:rPr lang="en-US" smtClean="0"/>
-              <a:t>10/30/17</a:t>
+              <a:t>10/31/17</a:t>
             </a:fld>
             <a:endParaRPr lang="en-US"/>
           </a:p>
@@ -1606,7 +1611,7 @@
           <a:p>
             <a:fld id="{268FC112-7AC0-434D-8726-6A36A966E321}" type="datetimeFigureOut">
               <a:rPr lang="en-US" smtClean="0"/>
-              <a:t>10/30/17</a:t>
+              <a:t>10/31/17</a:t>
             </a:fld>
             <a:endParaRPr lang="en-US"/>
           </a:p>
@@ -1724,7 +1729,7 @@
           <a:p>
             <a:fld id="{268FC112-7AC0-434D-8726-6A36A966E321}" type="datetimeFigureOut">
               <a:rPr lang="en-US" smtClean="0"/>
-              <a:t>10/30/17</a:t>
+              <a:t>10/31/17</a:t>
             </a:fld>
             <a:endParaRPr lang="en-US"/>
           </a:p>
@@ -1819,7 +1824,7 @@
           <a:p>
             <a:fld id="{268FC112-7AC0-434D-8726-6A36A966E321}" type="datetimeFigureOut">
               <a:rPr lang="en-US" smtClean="0"/>
-              <a:t>10/30/17</a:t>
+              <a:t>10/31/17</a:t>
             </a:fld>
             <a:endParaRPr lang="en-US"/>
           </a:p>
@@ -2096,7 +2101,7 @@
           <a:p>
             <a:fld id="{268FC112-7AC0-434D-8726-6A36A966E321}" type="datetimeFigureOut">
               <a:rPr lang="en-US" smtClean="0"/>
-              <a:t>10/30/17</a:t>
+              <a:t>10/31/17</a:t>
             </a:fld>
             <a:endParaRPr lang="en-US"/>
           </a:p>
@@ -2349,7 +2354,7 @@
           <a:p>
             <a:fld id="{268FC112-7AC0-434D-8726-6A36A966E321}" type="datetimeFigureOut">
               <a:rPr lang="en-US" smtClean="0"/>
-              <a:t>10/30/17</a:t>
+              <a:t>10/31/17</a:t>
             </a:fld>
             <a:endParaRPr lang="en-US"/>
           </a:p>
@@ -2562,7 +2567,7 @@
           <a:p>
             <a:fld id="{268FC112-7AC0-434D-8726-6A36A966E321}" type="datetimeFigureOut">
               <a:rPr lang="en-US" smtClean="0"/>
-              <a:t>10/30/17</a:t>
+              <a:t>10/31/17</a:t>
             </a:fld>
             <a:endParaRPr lang="en-US"/>
           </a:p>
@@ -3089,6 +3094,14 @@
               <a:rPr lang="en-US" dirty="0" smtClean="0"/>
               <a:t>Made up of five practicing attorney’s </a:t>
             </a:r>
+            <a:endParaRPr lang="en-US" dirty="0" smtClean="0"/>
+          </a:p>
+          <a:p>
+            <a:pPr lvl="1"/>
+            <a:r>
+              <a:rPr lang="en-US" dirty="0" smtClean="0"/>
+              <a:t>Jordan Couch</a:t>
+            </a:r>
             <a:endParaRPr lang="en-US" dirty="0"/>
           </a:p>
         </p:txBody>
@@ -3265,13 +3278,33 @@
           <a:p>
             <a:r>
               <a:rPr lang="en-US" dirty="0" smtClean="0"/>
-              <a:t>Utilize the skills learned in Project 3</a:t>
-            </a:r>
-          </a:p>
-          <a:p>
+              <a:t>Utilize </a:t>
+            </a:r>
+            <a:r>
+              <a:rPr lang="en-US" dirty="0" err="1" smtClean="0"/>
+              <a:t>AirTable</a:t>
+            </a:r>
             <a:r>
               <a:rPr lang="en-US" dirty="0" smtClean="0"/>
-              <a:t>To take the data that Palace Law has been logging over the past two months, turn it into a spreadsheet to train an algorithm to provide answers to new information that mirrors or differs from the dataset</a:t>
+              <a:t>, conference calls, and the </a:t>
+            </a:r>
+            <a:r>
+              <a:rPr lang="en-US" dirty="0" smtClean="0"/>
+              <a:t>skills learned in Project </a:t>
+            </a:r>
+            <a:r>
+              <a:rPr lang="en-US" dirty="0" smtClean="0"/>
+              <a:t>3</a:t>
+            </a:r>
+          </a:p>
+          <a:p>
+            <a:r>
+              <a:rPr lang="en-US" dirty="0" smtClean="0"/>
+              <a:t>To </a:t>
+            </a:r>
+            <a:r>
+              <a:rPr lang="en-US" dirty="0" smtClean="0"/>
+              <a:t>take the data that Palace Law has been logging over the past two months, turn it into a spreadsheet to train an algorithm to provide answers to new information that mirrors or differs from the dataset</a:t>
             </a:r>
           </a:p>
           <a:p>
